--- a/Hotel_App_Presentation.pptx
+++ b/Hotel_App_Presentation.pptx
@@ -198,7 +198,7 @@
           <a:p>
             <a:fld id="{77AAAE18-D1A0-4F89-92A4-7B7970937E5B}" type="datetimeFigureOut">
               <a:rPr lang="uk-UA" smtClean="0"/>
-              <a:t>07.08.2016</a:t>
+              <a:t>16.08.2016</a:t>
             </a:fld>
             <a:endParaRPr lang="uk-UA"/>
           </a:p>
@@ -363,7 +363,7 @@
           <a:p>
             <a:fld id="{9C9F13B1-B04A-44DB-A021-2E72057C04C5}" type="datetimeFigureOut">
               <a:rPr lang="uk-UA" smtClean="0"/>
-              <a:t>07.08.2016</a:t>
+              <a:t>16.08.2016</a:t>
             </a:fld>
             <a:endParaRPr lang="uk-UA"/>
           </a:p>
@@ -1256,7 +1256,7 @@
           <a:p>
             <a:fld id="{50DA5F31-ECAF-4A21-B155-42F2585AC877}" type="datetimeFigureOut">
               <a:rPr lang="uk-UA" smtClean="0"/>
-              <a:t>07.08.2016</a:t>
+              <a:t>16.08.2016</a:t>
             </a:fld>
             <a:endParaRPr lang="uk-UA"/>
           </a:p>
@@ -1452,7 +1452,7 @@
           <a:p>
             <a:fld id="{50DA5F31-ECAF-4A21-B155-42F2585AC877}" type="datetimeFigureOut">
               <a:rPr lang="uk-UA" smtClean="0"/>
-              <a:t>07.08.2016</a:t>
+              <a:t>16.08.2016</a:t>
             </a:fld>
             <a:endParaRPr lang="uk-UA"/>
           </a:p>
@@ -1637,7 +1637,7 @@
           <a:p>
             <a:fld id="{50DA5F31-ECAF-4A21-B155-42F2585AC877}" type="datetimeFigureOut">
               <a:rPr lang="uk-UA" smtClean="0"/>
-              <a:t>07.08.2016</a:t>
+              <a:t>16.08.2016</a:t>
             </a:fld>
             <a:endParaRPr lang="uk-UA"/>
           </a:p>
@@ -1787,7 +1787,7 @@
           <a:p>
             <a:fld id="{50DA5F31-ECAF-4A21-B155-42F2585AC877}" type="datetimeFigureOut">
               <a:rPr lang="uk-UA" smtClean="0"/>
-              <a:t>07.08.2016</a:t>
+              <a:t>16.08.2016</a:t>
             </a:fld>
             <a:endParaRPr lang="uk-UA"/>
           </a:p>
@@ -2042,7 +2042,7 @@
           <a:p>
             <a:fld id="{50DA5F31-ECAF-4A21-B155-42F2585AC877}" type="datetimeFigureOut">
               <a:rPr lang="uk-UA" smtClean="0"/>
-              <a:t>07.08.2016</a:t>
+              <a:t>16.08.2016</a:t>
             </a:fld>
             <a:endParaRPr lang="uk-UA"/>
           </a:p>
@@ -2451,7 +2451,7 @@
           <a:p>
             <a:fld id="{50DA5F31-ECAF-4A21-B155-42F2585AC877}" type="datetimeFigureOut">
               <a:rPr lang="uk-UA" smtClean="0"/>
-              <a:t>07.08.2016</a:t>
+              <a:t>16.08.2016</a:t>
             </a:fld>
             <a:endParaRPr lang="uk-UA"/>
           </a:p>
@@ -2897,7 +2897,7 @@
           <a:p>
             <a:fld id="{50DA5F31-ECAF-4A21-B155-42F2585AC877}" type="datetimeFigureOut">
               <a:rPr lang="uk-UA" smtClean="0"/>
-              <a:t>07.08.2016</a:t>
+              <a:t>16.08.2016</a:t>
             </a:fld>
             <a:endParaRPr lang="uk-UA"/>
           </a:p>
@@ -2998,7 +2998,7 @@
           <a:p>
             <a:fld id="{50DA5F31-ECAF-4A21-B155-42F2585AC877}" type="datetimeFigureOut">
               <a:rPr lang="uk-UA" smtClean="0"/>
-              <a:t>07.08.2016</a:t>
+              <a:t>16.08.2016</a:t>
             </a:fld>
             <a:endParaRPr lang="uk-UA"/>
           </a:p>
@@ -3119,7 +3119,7 @@
           <a:p>
             <a:fld id="{50DA5F31-ECAF-4A21-B155-42F2585AC877}" type="datetimeFigureOut">
               <a:rPr lang="uk-UA" smtClean="0"/>
-              <a:t>07.08.2016</a:t>
+              <a:t>16.08.2016</a:t>
             </a:fld>
             <a:endParaRPr lang="uk-UA"/>
           </a:p>
@@ -3393,7 +3393,7 @@
           <a:p>
             <a:fld id="{50DA5F31-ECAF-4A21-B155-42F2585AC877}" type="datetimeFigureOut">
               <a:rPr lang="uk-UA" smtClean="0"/>
-              <a:t>07.08.2016</a:t>
+              <a:t>16.08.2016</a:t>
             </a:fld>
             <a:endParaRPr lang="uk-UA"/>
           </a:p>
@@ -3598,7 +3598,7 @@
           <a:p>
             <a:fld id="{50DA5F31-ECAF-4A21-B155-42F2585AC877}" type="datetimeFigureOut">
               <a:rPr lang="uk-UA" smtClean="0"/>
-              <a:t>07.08.2016</a:t>
+              <a:t>16.08.2016</a:t>
             </a:fld>
             <a:endParaRPr lang="uk-UA"/>
           </a:p>
@@ -4707,7 +4707,7 @@
           <a:p>
             <a:fld id="{50DA5F31-ECAF-4A21-B155-42F2585AC877}" type="datetimeFigureOut">
               <a:rPr lang="uk-UA" smtClean="0"/>
-              <a:t>07.08.2016</a:t>
+              <a:t>16.08.2016</a:t>
             </a:fld>
             <a:endParaRPr lang="uk-UA"/>
           </a:p>
@@ -5234,6 +5234,9 @@
   <p:clrMapOvr>
     <a:masterClrMapping/>
   </p:clrMapOvr>
+  <p:transition spd="slow">
+    <p:push dir="u"/>
+  </p:transition>
   <p:timing>
     <p:tnLst>
       <p:par>
@@ -5451,6 +5454,9 @@
   <p:clrMapOvr>
     <a:masterClrMapping/>
   </p:clrMapOvr>
+  <p:transition spd="slow">
+    <p:push dir="u"/>
+  </p:transition>
   <p:timing>
     <p:tnLst>
       <p:par>
@@ -5529,6 +5535,9 @@
   <p:clrMapOvr>
     <a:masterClrMapping/>
   </p:clrMapOvr>
+  <p:transition spd="slow">
+    <p:push dir="u"/>
+  </p:transition>
   <p:timing>
     <p:tnLst>
       <p:par>
@@ -5836,6 +5845,9 @@
   <p:clrMapOvr>
     <a:masterClrMapping/>
   </p:clrMapOvr>
+  <p:transition spd="slow">
+    <p:push dir="u"/>
+  </p:transition>
   <p:timing>
     <p:tnLst>
       <p:par>
